--- a/PHP.pptx
+++ b/PHP.pptx
@@ -5,7 +5,7 @@
     <p:sldMasterId id="2147483648" r:id="rId1"/>
   </p:sldMasterIdLst>
   <p:notesMasterIdLst>
-    <p:notesMasterId r:id="rId7"/>
+    <p:notesMasterId r:id="rId11"/>
   </p:notesMasterIdLst>
   <p:sldIdLst>
     <p:sldId id="256" r:id="rId2"/>
@@ -13,6 +13,10 @@
     <p:sldId id="258" r:id="rId4"/>
     <p:sldId id="259" r:id="rId5"/>
     <p:sldId id="260" r:id="rId6"/>
+    <p:sldId id="261" r:id="rId7"/>
+    <p:sldId id="262" r:id="rId8"/>
+    <p:sldId id="263" r:id="rId9"/>
+    <p:sldId id="264" r:id="rId10"/>
   </p:sldIdLst>
   <p:sldSz cx="9144000" cy="6858000" type="screen4x3"/>
   <p:notesSz cx="6858000" cy="9144000"/>
@@ -4425,6 +4429,273 @@
           <a:chExt cx="0" cy="0"/>
         </a:xfrm>
       </p:grpSpPr>
+      <p:sp>
+        <p:nvSpPr>
+          <p:cNvPr id="2" name="TextBox 1"/>
+          <p:cNvSpPr txBox="1"/>
+          <p:nvPr/>
+        </p:nvSpPr>
+        <p:spPr>
+          <a:xfrm>
+            <a:off x="1627445" y="764704"/>
+            <a:ext cx="3600400" cy="369332"/>
+          </a:xfrm>
+          <a:prstGeom prst="rect">
+            <a:avLst/>
+          </a:prstGeom>
+          <a:noFill/>
+        </p:spPr>
+        <p:txBody>
+          <a:bodyPr wrap="square" rtlCol="0">
+            <a:spAutoFit/>
+          </a:bodyPr>
+          <a:lstStyle/>
+          <a:p>
+            <a:r>
+              <a:rPr lang="en-US" altLang="zh-CN" dirty="0" smtClean="0"/>
+              <a:t>PHP</a:t>
+            </a:r>
+            <a:r>
+              <a:rPr lang="zh-CN" altLang="en-US" dirty="0" smtClean="0"/>
+              <a:t>注释</a:t>
+            </a:r>
+            <a:endParaRPr lang="zh-CN" altLang="en-US" dirty="0"/>
+          </a:p>
+        </p:txBody>
+      </p:sp>
+      <p:sp>
+        <p:nvSpPr>
+          <p:cNvPr id="3" name="TextBox 2"/>
+          <p:cNvSpPr txBox="1"/>
+          <p:nvPr/>
+        </p:nvSpPr>
+        <p:spPr>
+          <a:xfrm>
+            <a:off x="1627445" y="1628800"/>
+            <a:ext cx="4888771" cy="369332"/>
+          </a:xfrm>
+          <a:prstGeom prst="rect">
+            <a:avLst/>
+          </a:prstGeom>
+          <a:noFill/>
+        </p:spPr>
+        <p:txBody>
+          <a:bodyPr wrap="square" rtlCol="0">
+            <a:spAutoFit/>
+          </a:bodyPr>
+          <a:lstStyle/>
+          <a:p>
+            <a:r>
+              <a:rPr lang="en-US" altLang="zh-CN" dirty="0" smtClean="0"/>
+              <a:t>1.C++</a:t>
+            </a:r>
+            <a:r>
+              <a:rPr lang="zh-CN" altLang="en-US" dirty="0" smtClean="0"/>
+              <a:t>风格的单行注释</a:t>
+            </a:r>
+            <a:endParaRPr lang="zh-CN" altLang="en-US" dirty="0"/>
+          </a:p>
+        </p:txBody>
+      </p:sp>
+      <p:pic>
+        <p:nvPicPr>
+          <p:cNvPr id="1026" name="Picture 2" descr="C:\Users\Administrator\Desktop\001+.PNG"/>
+          <p:cNvPicPr>
+            <a:picLocks noChangeAspect="1" noChangeArrowheads="1"/>
+          </p:cNvPicPr>
+          <p:nvPr/>
+        </p:nvPicPr>
+        <p:blipFill>
+          <a:blip r:embed="rId2">
+            <a:extLst>
+              <a:ext uri="{28A0092B-C50C-407E-A947-70E740481C1C}">
+                <a14:useLocalDpi xmlns:a14="http://schemas.microsoft.com/office/drawing/2010/main" val="0"/>
+              </a:ext>
+            </a:extLst>
+          </a:blip>
+          <a:srcRect/>
+          <a:stretch>
+            <a:fillRect/>
+          </a:stretch>
+        </p:blipFill>
+        <p:spPr bwMode="auto">
+          <a:xfrm>
+            <a:off x="1627445" y="2094764"/>
+            <a:ext cx="3409950" cy="1019175"/>
+          </a:xfrm>
+          <a:prstGeom prst="rect">
+            <a:avLst/>
+          </a:prstGeom>
+          <a:noFill/>
+          <a:extLst>
+            <a:ext uri="{909E8E84-426E-40DD-AFC4-6F175D3DCCD1}">
+              <a14:hiddenFill xmlns:a14="http://schemas.microsoft.com/office/drawing/2010/main">
+                <a:solidFill>
+                  <a:srgbClr val="FFFFFF"/>
+                </a:solidFill>
+              </a14:hiddenFill>
+            </a:ext>
+          </a:extLst>
+        </p:spPr>
+      </p:pic>
+      <p:sp>
+        <p:nvSpPr>
+          <p:cNvPr id="4" name="TextBox 3"/>
+          <p:cNvSpPr txBox="1"/>
+          <p:nvPr/>
+        </p:nvSpPr>
+        <p:spPr>
+          <a:xfrm>
+            <a:off x="1627445" y="3573016"/>
+            <a:ext cx="3088571" cy="369332"/>
+          </a:xfrm>
+          <a:prstGeom prst="rect">
+            <a:avLst/>
+          </a:prstGeom>
+          <a:noFill/>
+        </p:spPr>
+        <p:txBody>
+          <a:bodyPr wrap="square" rtlCol="0">
+            <a:spAutoFit/>
+          </a:bodyPr>
+          <a:lstStyle/>
+          <a:p>
+            <a:r>
+              <a:rPr lang="en-US" altLang="zh-CN" dirty="0" smtClean="0"/>
+              <a:t>2.C</a:t>
+            </a:r>
+            <a:r>
+              <a:rPr lang="zh-CN" altLang="en-US" dirty="0" smtClean="0"/>
+              <a:t>风格的多行注释</a:t>
+            </a:r>
+            <a:endParaRPr lang="zh-CN" altLang="en-US" dirty="0"/>
+          </a:p>
+        </p:txBody>
+      </p:sp>
+      <p:pic>
+        <p:nvPicPr>
+          <p:cNvPr id="1027" name="Picture 3" descr="C:\Users\Administrator\Desktop\02.PNG"/>
+          <p:cNvPicPr>
+            <a:picLocks noChangeAspect="1" noChangeArrowheads="1"/>
+          </p:cNvPicPr>
+          <p:nvPr/>
+        </p:nvPicPr>
+        <p:blipFill>
+          <a:blip r:embed="rId3">
+            <a:extLst>
+              <a:ext uri="{28A0092B-C50C-407E-A947-70E740481C1C}">
+                <a14:useLocalDpi xmlns:a14="http://schemas.microsoft.com/office/drawing/2010/main" val="0"/>
+              </a:ext>
+            </a:extLst>
+          </a:blip>
+          <a:srcRect/>
+          <a:stretch>
+            <a:fillRect/>
+          </a:stretch>
+        </p:blipFill>
+        <p:spPr bwMode="auto">
+          <a:xfrm>
+            <a:off x="1636020" y="3969692"/>
+            <a:ext cx="3079995" cy="1514475"/>
+          </a:xfrm>
+          <a:prstGeom prst="rect">
+            <a:avLst/>
+          </a:prstGeom>
+          <a:noFill/>
+          <a:extLst>
+            <a:ext uri="{909E8E84-426E-40DD-AFC4-6F175D3DCCD1}">
+              <a14:hiddenFill xmlns:a14="http://schemas.microsoft.com/office/drawing/2010/main">
+                <a:solidFill>
+                  <a:srgbClr val="FFFFFF"/>
+                </a:solidFill>
+              </a14:hiddenFill>
+            </a:ext>
+          </a:extLst>
+        </p:spPr>
+      </p:pic>
+      <p:sp>
+        <p:nvSpPr>
+          <p:cNvPr id="5" name="TextBox 4"/>
+          <p:cNvSpPr txBox="1"/>
+          <p:nvPr/>
+        </p:nvSpPr>
+        <p:spPr>
+          <a:xfrm>
+            <a:off x="1763688" y="5877272"/>
+            <a:ext cx="2952327" cy="369332"/>
+          </a:xfrm>
+          <a:prstGeom prst="rect">
+            <a:avLst/>
+          </a:prstGeom>
+          <a:noFill/>
+        </p:spPr>
+        <p:txBody>
+          <a:bodyPr wrap="square" rtlCol="0">
+            <a:spAutoFit/>
+          </a:bodyPr>
+          <a:lstStyle/>
+          <a:p>
+            <a:r>
+              <a:rPr lang="en-US" altLang="zh-CN" dirty="0" smtClean="0"/>
+              <a:t>3.Shell</a:t>
+            </a:r>
+            <a:r>
+              <a:rPr lang="zh-CN" altLang="en-US" dirty="0" smtClean="0"/>
+              <a:t>风格的注释“</a:t>
+            </a:r>
+            <a:r>
+              <a:rPr lang="en-US" altLang="zh-CN" dirty="0" smtClean="0"/>
+              <a:t>#</a:t>
+            </a:r>
+            <a:r>
+              <a:rPr lang="zh-CN" altLang="en-US" dirty="0" smtClean="0"/>
+              <a:t>”</a:t>
+            </a:r>
+            <a:endParaRPr lang="zh-CN" altLang="en-US" dirty="0"/>
+          </a:p>
+        </p:txBody>
+      </p:sp>
+      <p:pic>
+        <p:nvPicPr>
+          <p:cNvPr id="1028" name="Picture 4" descr="C:\Users\Administrator\Desktop\03.PNG"/>
+          <p:cNvPicPr>
+            <a:picLocks noChangeAspect="1" noChangeArrowheads="1"/>
+          </p:cNvPicPr>
+          <p:nvPr/>
+        </p:nvPicPr>
+        <p:blipFill>
+          <a:blip r:embed="rId4">
+            <a:extLst>
+              <a:ext uri="{28A0092B-C50C-407E-A947-70E740481C1C}">
+                <a14:useLocalDpi xmlns:a14="http://schemas.microsoft.com/office/drawing/2010/main" val="0"/>
+              </a:ext>
+            </a:extLst>
+          </a:blip>
+          <a:srcRect/>
+          <a:stretch>
+            <a:fillRect/>
+          </a:stretch>
+        </p:blipFill>
+        <p:spPr bwMode="auto">
+          <a:xfrm>
+            <a:off x="4071830" y="5908466"/>
+            <a:ext cx="3524250" cy="676275"/>
+          </a:xfrm>
+          <a:prstGeom prst="rect">
+            <a:avLst/>
+          </a:prstGeom>
+          <a:noFill/>
+          <a:extLst>
+            <a:ext uri="{909E8E84-426E-40DD-AFC4-6F175D3DCCD1}">
+              <a14:hiddenFill xmlns:a14="http://schemas.microsoft.com/office/drawing/2010/main">
+                <a:solidFill>
+                  <a:srgbClr val="FFFFFF"/>
+                </a:solidFill>
+              </a14:hiddenFill>
+            </a:ext>
+          </a:extLst>
+        </p:spPr>
+      </p:pic>
     </p:spTree>
     <p:extLst>
       <p:ext uri="{BB962C8B-B14F-4D97-AF65-F5344CB8AC3E}">
@@ -4442,6 +4713,457 @@
       </p:par>
     </p:tnLst>
   </p:timing>
+</p:sld>
+</file>
+
+<file path=ppt/slides/slide6.xml><?xml version="1.0" encoding="utf-8"?>
+<p:sld xmlns:a="http://schemas.openxmlformats.org/drawingml/2006/main" xmlns:r="http://schemas.openxmlformats.org/officeDocument/2006/relationships" xmlns:p="http://schemas.openxmlformats.org/presentationml/2006/main">
+  <p:cSld>
+    <p:spTree>
+      <p:nvGrpSpPr>
+        <p:cNvPr id="1" name=""/>
+        <p:cNvGrpSpPr/>
+        <p:nvPr/>
+      </p:nvGrpSpPr>
+      <p:grpSpPr>
+        <a:xfrm>
+          <a:off x="0" y="0"/>
+          <a:ext cx="0" cy="0"/>
+          <a:chOff x="0" y="0"/>
+          <a:chExt cx="0" cy="0"/>
+        </a:xfrm>
+      </p:grpSpPr>
+      <p:sp>
+        <p:nvSpPr>
+          <p:cNvPr id="3" name="TextBox 2"/>
+          <p:cNvSpPr txBox="1"/>
+          <p:nvPr/>
+        </p:nvSpPr>
+        <p:spPr>
+          <a:xfrm>
+            <a:off x="1979712" y="836712"/>
+            <a:ext cx="3024336" cy="369332"/>
+          </a:xfrm>
+          <a:prstGeom prst="rect">
+            <a:avLst/>
+          </a:prstGeom>
+          <a:noFill/>
+        </p:spPr>
+        <p:txBody>
+          <a:bodyPr wrap="square" rtlCol="0">
+            <a:spAutoFit/>
+          </a:bodyPr>
+          <a:lstStyle/>
+          <a:p>
+            <a:r>
+              <a:rPr lang="en-US" altLang="zh-CN" dirty="0" smtClean="0"/>
+              <a:t>PHP</a:t>
+            </a:r>
+            <a:r>
+              <a:rPr lang="zh-CN" altLang="en-US" dirty="0" smtClean="0"/>
+              <a:t>常量</a:t>
+            </a:r>
+            <a:endParaRPr lang="zh-CN" altLang="en-US" dirty="0"/>
+          </a:p>
+        </p:txBody>
+      </p:sp>
+      <p:sp>
+        <p:nvSpPr>
+          <p:cNvPr id="4" name="TextBox 3"/>
+          <p:cNvSpPr txBox="1"/>
+          <p:nvPr/>
+        </p:nvSpPr>
+        <p:spPr>
+          <a:xfrm>
+            <a:off x="1835696" y="1628800"/>
+            <a:ext cx="2880320" cy="369332"/>
+          </a:xfrm>
+          <a:prstGeom prst="rect">
+            <a:avLst/>
+          </a:prstGeom>
+          <a:noFill/>
+        </p:spPr>
+        <p:txBody>
+          <a:bodyPr wrap="square" rtlCol="0">
+            <a:spAutoFit/>
+          </a:bodyPr>
+          <a:lstStyle/>
+          <a:p>
+            <a:r>
+              <a:rPr lang="zh-CN" altLang="en-US" dirty="0" smtClean="0"/>
+              <a:t>常量的定义</a:t>
+            </a:r>
+            <a:endParaRPr lang="zh-CN" altLang="en-US" dirty="0"/>
+          </a:p>
+        </p:txBody>
+      </p:sp>
+      <p:sp>
+        <p:nvSpPr>
+          <p:cNvPr id="5" name="TextBox 4"/>
+          <p:cNvSpPr txBox="1"/>
+          <p:nvPr/>
+        </p:nvSpPr>
+        <p:spPr>
+          <a:xfrm>
+            <a:off x="611560" y="2153479"/>
+            <a:ext cx="7920880" cy="369332"/>
+          </a:xfrm>
+          <a:prstGeom prst="rect">
+            <a:avLst/>
+          </a:prstGeom>
+          <a:noFill/>
+        </p:spPr>
+        <p:txBody>
+          <a:bodyPr wrap="square" rtlCol="0">
+            <a:spAutoFit/>
+          </a:bodyPr>
+          <a:lstStyle/>
+          <a:p>
+            <a:r>
+              <a:rPr lang="en-US" altLang="zh-CN" dirty="0" err="1" smtClean="0"/>
+              <a:t>Bool</a:t>
+            </a:r>
+            <a:r>
+              <a:rPr lang="en-US" altLang="zh-CN" dirty="0" smtClean="0"/>
+              <a:t> define(string $name , mixed $value [,</a:t>
+            </a:r>
+            <a:r>
+              <a:rPr lang="en-US" altLang="zh-CN" dirty="0" err="1" smtClean="0"/>
+              <a:t>bool</a:t>
+            </a:r>
+            <a:r>
+              <a:rPr lang="en-US" altLang="zh-CN" dirty="0" smtClean="0"/>
+              <a:t> $</a:t>
+            </a:r>
+            <a:r>
+              <a:rPr lang="en-US" altLang="zh-CN" dirty="0" err="1" smtClean="0"/>
+              <a:t>case_insensitive</a:t>
+            </a:r>
+            <a:r>
+              <a:rPr lang="en-US" altLang="zh-CN" dirty="0" smtClean="0"/>
+              <a:t>=false ])</a:t>
+            </a:r>
+            <a:endParaRPr lang="zh-CN" altLang="en-US" dirty="0"/>
+          </a:p>
+        </p:txBody>
+      </p:sp>
+      <p:pic>
+        <p:nvPicPr>
+          <p:cNvPr id="2050" name="Picture 2" descr="C:\Users\Administrator\Desktop\04.PNG"/>
+          <p:cNvPicPr>
+            <a:picLocks noChangeAspect="1" noChangeArrowheads="1"/>
+          </p:cNvPicPr>
+          <p:nvPr/>
+        </p:nvPicPr>
+        <p:blipFill>
+          <a:blip r:embed="rId2">
+            <a:extLst>
+              <a:ext uri="{28A0092B-C50C-407E-A947-70E740481C1C}">
+                <a14:useLocalDpi xmlns:a14="http://schemas.microsoft.com/office/drawing/2010/main" val="0"/>
+              </a:ext>
+            </a:extLst>
+          </a:blip>
+          <a:srcRect/>
+          <a:stretch>
+            <a:fillRect/>
+          </a:stretch>
+        </p:blipFill>
+        <p:spPr bwMode="auto">
+          <a:xfrm>
+            <a:off x="770781" y="3284984"/>
+            <a:ext cx="5010150" cy="2124075"/>
+          </a:xfrm>
+          <a:prstGeom prst="rect">
+            <a:avLst/>
+          </a:prstGeom>
+          <a:noFill/>
+          <a:extLst>
+            <a:ext uri="{909E8E84-426E-40DD-AFC4-6F175D3DCCD1}">
+              <a14:hiddenFill xmlns:a14="http://schemas.microsoft.com/office/drawing/2010/main">
+                <a:solidFill>
+                  <a:srgbClr val="FFFFFF"/>
+                </a:solidFill>
+              </a14:hiddenFill>
+            </a:ext>
+          </a:extLst>
+        </p:spPr>
+      </p:pic>
+    </p:spTree>
+    <p:extLst>
+      <p:ext uri="{BB962C8B-B14F-4D97-AF65-F5344CB8AC3E}">
+        <p14:creationId xmlns:p14="http://schemas.microsoft.com/office/powerpoint/2010/main" val="1094373474"/>
+      </p:ext>
+    </p:extLst>
+  </p:cSld>
+  <p:clrMapOvr>
+    <a:masterClrMapping/>
+  </p:clrMapOvr>
+</p:sld>
+</file>
+
+<file path=ppt/slides/slide7.xml><?xml version="1.0" encoding="utf-8"?>
+<p:sld xmlns:a="http://schemas.openxmlformats.org/drawingml/2006/main" xmlns:r="http://schemas.openxmlformats.org/officeDocument/2006/relationships" xmlns:p="http://schemas.openxmlformats.org/presentationml/2006/main">
+  <p:cSld>
+    <p:spTree>
+      <p:nvGrpSpPr>
+        <p:cNvPr id="1" name=""/>
+        <p:cNvGrpSpPr/>
+        <p:nvPr/>
+      </p:nvGrpSpPr>
+      <p:grpSpPr>
+        <a:xfrm>
+          <a:off x="0" y="0"/>
+          <a:ext cx="0" cy="0"/>
+          <a:chOff x="0" y="0"/>
+          <a:chExt cx="0" cy="0"/>
+        </a:xfrm>
+      </p:grpSpPr>
+      <p:sp>
+        <p:nvSpPr>
+          <p:cNvPr id="2" name="TextBox 1"/>
+          <p:cNvSpPr txBox="1"/>
+          <p:nvPr/>
+        </p:nvSpPr>
+        <p:spPr>
+          <a:xfrm>
+            <a:off x="1085999" y="1340768"/>
+            <a:ext cx="461665" cy="4896544"/>
+          </a:xfrm>
+          <a:prstGeom prst="rect">
+            <a:avLst/>
+          </a:prstGeom>
+          <a:noFill/>
+        </p:spPr>
+        <p:txBody>
+          <a:bodyPr vert="eaVert" wrap="square" rtlCol="0">
+            <a:spAutoFit/>
+          </a:bodyPr>
+          <a:lstStyle/>
+          <a:p>
+            <a:r>
+              <a:rPr lang="zh-CN" altLang="en-US" dirty="0" smtClean="0"/>
+              <a:t>预定义常量</a:t>
+            </a:r>
+            <a:endParaRPr lang="zh-CN" altLang="en-US" dirty="0"/>
+          </a:p>
+        </p:txBody>
+      </p:sp>
+      <p:pic>
+        <p:nvPicPr>
+          <p:cNvPr id="3074" name="Picture 2" descr="C:\Users\Administrator\Desktop\05.PNG"/>
+          <p:cNvPicPr>
+            <a:picLocks noChangeAspect="1" noChangeArrowheads="1"/>
+          </p:cNvPicPr>
+          <p:nvPr/>
+        </p:nvPicPr>
+        <p:blipFill>
+          <a:blip r:embed="rId2">
+            <a:extLst>
+              <a:ext uri="{28A0092B-C50C-407E-A947-70E740481C1C}">
+                <a14:useLocalDpi xmlns:a14="http://schemas.microsoft.com/office/drawing/2010/main" val="0"/>
+              </a:ext>
+            </a:extLst>
+          </a:blip>
+          <a:srcRect/>
+          <a:stretch>
+            <a:fillRect/>
+          </a:stretch>
+        </p:blipFill>
+        <p:spPr bwMode="auto">
+          <a:xfrm>
+            <a:off x="1763688" y="1124744"/>
+            <a:ext cx="6945312" cy="3924300"/>
+          </a:xfrm>
+          <a:prstGeom prst="rect">
+            <a:avLst/>
+          </a:prstGeom>
+          <a:noFill/>
+          <a:extLst>
+            <a:ext uri="{909E8E84-426E-40DD-AFC4-6F175D3DCCD1}">
+              <a14:hiddenFill xmlns:a14="http://schemas.microsoft.com/office/drawing/2010/main">
+                <a:solidFill>
+                  <a:srgbClr val="FFFFFF"/>
+                </a:solidFill>
+              </a14:hiddenFill>
+            </a:ext>
+          </a:extLst>
+        </p:spPr>
+      </p:pic>
+    </p:spTree>
+    <p:extLst>
+      <p:ext uri="{BB962C8B-B14F-4D97-AF65-F5344CB8AC3E}">
+        <p14:creationId xmlns:p14="http://schemas.microsoft.com/office/powerpoint/2010/main" val="4229646891"/>
+      </p:ext>
+    </p:extLst>
+  </p:cSld>
+  <p:clrMapOvr>
+    <a:masterClrMapping/>
+  </p:clrMapOvr>
+</p:sld>
+</file>
+
+<file path=ppt/slides/slide8.xml><?xml version="1.0" encoding="utf-8"?>
+<p:sld xmlns:a="http://schemas.openxmlformats.org/drawingml/2006/main" xmlns:r="http://schemas.openxmlformats.org/officeDocument/2006/relationships" xmlns:p="http://schemas.openxmlformats.org/presentationml/2006/main">
+  <p:cSld>
+    <p:spTree>
+      <p:nvGrpSpPr>
+        <p:cNvPr id="1" name=""/>
+        <p:cNvGrpSpPr/>
+        <p:nvPr/>
+      </p:nvGrpSpPr>
+      <p:grpSpPr>
+        <a:xfrm>
+          <a:off x="0" y="0"/>
+          <a:ext cx="0" cy="0"/>
+          <a:chOff x="0" y="0"/>
+          <a:chExt cx="0" cy="0"/>
+        </a:xfrm>
+      </p:grpSpPr>
+      <p:sp>
+        <p:nvSpPr>
+          <p:cNvPr id="2" name="TextBox 1"/>
+          <p:cNvSpPr txBox="1"/>
+          <p:nvPr/>
+        </p:nvSpPr>
+        <p:spPr>
+          <a:xfrm>
+            <a:off x="2051720" y="1124744"/>
+            <a:ext cx="3672408" cy="369332"/>
+          </a:xfrm>
+          <a:prstGeom prst="rect">
+            <a:avLst/>
+          </a:prstGeom>
+          <a:noFill/>
+        </p:spPr>
+        <p:txBody>
+          <a:bodyPr wrap="square" rtlCol="0">
+            <a:spAutoFit/>
+          </a:bodyPr>
+          <a:lstStyle/>
+          <a:p>
+            <a:r>
+              <a:rPr lang="en-US" altLang="zh-CN" dirty="0" smtClean="0"/>
+              <a:t>PHP</a:t>
+            </a:r>
+            <a:r>
+              <a:rPr lang="zh-CN" altLang="en-US" dirty="0" smtClean="0"/>
+              <a:t>变量</a:t>
+            </a:r>
+            <a:endParaRPr lang="zh-CN" altLang="en-US" dirty="0"/>
+          </a:p>
+        </p:txBody>
+      </p:sp>
+      <p:sp>
+        <p:nvSpPr>
+          <p:cNvPr id="3" name="TextBox 2"/>
+          <p:cNvSpPr txBox="1"/>
+          <p:nvPr/>
+        </p:nvSpPr>
+        <p:spPr>
+          <a:xfrm>
+            <a:off x="1907704" y="2060848"/>
+            <a:ext cx="3960440" cy="369332"/>
+          </a:xfrm>
+          <a:prstGeom prst="rect">
+            <a:avLst/>
+          </a:prstGeom>
+          <a:noFill/>
+        </p:spPr>
+        <p:txBody>
+          <a:bodyPr wrap="square" rtlCol="0">
+            <a:spAutoFit/>
+          </a:bodyPr>
+          <a:lstStyle/>
+          <a:p>
+            <a:r>
+              <a:rPr lang="zh-CN" altLang="en-US" dirty="0" smtClean="0"/>
+              <a:t>变量的定义</a:t>
+            </a:r>
+            <a:endParaRPr lang="zh-CN" altLang="en-US" dirty="0"/>
+          </a:p>
+        </p:txBody>
+      </p:sp>
+      <p:pic>
+        <p:nvPicPr>
+          <p:cNvPr id="4098" name="Picture 2" descr="C:\Users\Administrator\Desktop\06.PNG"/>
+          <p:cNvPicPr>
+            <a:picLocks noChangeAspect="1" noChangeArrowheads="1"/>
+          </p:cNvPicPr>
+          <p:nvPr/>
+        </p:nvPicPr>
+        <p:blipFill>
+          <a:blip r:embed="rId2">
+            <a:extLst>
+              <a:ext uri="{28A0092B-C50C-407E-A947-70E740481C1C}">
+                <a14:useLocalDpi xmlns:a14="http://schemas.microsoft.com/office/drawing/2010/main" val="0"/>
+              </a:ext>
+            </a:extLst>
+          </a:blip>
+          <a:srcRect/>
+          <a:stretch>
+            <a:fillRect/>
+          </a:stretch>
+        </p:blipFill>
+        <p:spPr bwMode="auto">
+          <a:xfrm>
+            <a:off x="1947528" y="3140968"/>
+            <a:ext cx="4467225" cy="2447925"/>
+          </a:xfrm>
+          <a:prstGeom prst="rect">
+            <a:avLst/>
+          </a:prstGeom>
+          <a:noFill/>
+          <a:extLst>
+            <a:ext uri="{909E8E84-426E-40DD-AFC4-6F175D3DCCD1}">
+              <a14:hiddenFill xmlns:a14="http://schemas.microsoft.com/office/drawing/2010/main">
+                <a:solidFill>
+                  <a:srgbClr val="FFFFFF"/>
+                </a:solidFill>
+              </a14:hiddenFill>
+            </a:ext>
+          </a:extLst>
+        </p:spPr>
+      </p:pic>
+    </p:spTree>
+    <p:extLst>
+      <p:ext uri="{BB962C8B-B14F-4D97-AF65-F5344CB8AC3E}">
+        <p14:creationId xmlns:p14="http://schemas.microsoft.com/office/powerpoint/2010/main" val="4040039121"/>
+      </p:ext>
+    </p:extLst>
+  </p:cSld>
+  <p:clrMapOvr>
+    <a:masterClrMapping/>
+  </p:clrMapOvr>
+</p:sld>
+</file>
+
+<file path=ppt/slides/slide9.xml><?xml version="1.0" encoding="utf-8"?>
+<p:sld xmlns:a="http://schemas.openxmlformats.org/drawingml/2006/main" xmlns:r="http://schemas.openxmlformats.org/officeDocument/2006/relationships" xmlns:p="http://schemas.openxmlformats.org/presentationml/2006/main">
+  <p:cSld>
+    <p:spTree>
+      <p:nvGrpSpPr>
+        <p:cNvPr id="1" name=""/>
+        <p:cNvGrpSpPr/>
+        <p:nvPr/>
+      </p:nvGrpSpPr>
+      <p:grpSpPr>
+        <a:xfrm>
+          <a:off x="0" y="0"/>
+          <a:ext cx="0" cy="0"/>
+          <a:chOff x="0" y="0"/>
+          <a:chExt cx="0" cy="0"/>
+        </a:xfrm>
+      </p:grpSpPr>
+    </p:spTree>
+    <p:extLst>
+      <p:ext uri="{BB962C8B-B14F-4D97-AF65-F5344CB8AC3E}">
+        <p14:creationId xmlns:p14="http://schemas.microsoft.com/office/powerpoint/2010/main" val="3320439307"/>
+      </p:ext>
+    </p:extLst>
+  </p:cSld>
+  <p:clrMapOvr>
+    <a:masterClrMapping/>
+  </p:clrMapOvr>
 </p:sld>
 </file>
 

--- a/PHP.pptx
+++ b/PHP.pptx
@@ -5,7 +5,7 @@
     <p:sldMasterId id="2147483648" r:id="rId1"/>
   </p:sldMasterIdLst>
   <p:notesMasterIdLst>
-    <p:notesMasterId r:id="rId11"/>
+    <p:notesMasterId r:id="rId14"/>
   </p:notesMasterIdLst>
   <p:sldIdLst>
     <p:sldId id="256" r:id="rId2"/>
@@ -17,6 +17,9 @@
     <p:sldId id="262" r:id="rId8"/>
     <p:sldId id="263" r:id="rId9"/>
     <p:sldId id="264" r:id="rId10"/>
+    <p:sldId id="265" r:id="rId11"/>
+    <p:sldId id="266" r:id="rId12"/>
+    <p:sldId id="267" r:id="rId13"/>
   </p:sldIdLst>
   <p:sldSz cx="9144000" cy="6858000" type="screen4x3"/>
   <p:notesSz cx="6858000" cy="9144000"/>
@@ -200,7 +203,7 @@
           <a:p>
             <a:fld id="{91D5D05A-D717-4A05-A75C-246C88C7C7E4}" type="datetimeFigureOut">
               <a:rPr lang="zh-CN" altLang="en-US" smtClean="0"/>
-              <a:t>2018/6/26 Tuesday</a:t>
+              <a:t>2018/6/27 Wednesday</a:t>
             </a:fld>
             <a:endParaRPr lang="zh-CN" altLang="en-US"/>
           </a:p>
@@ -649,7 +652,7 @@
           <a:p>
             <a:fld id="{7A0FA66E-6460-4177-8E9C-553832E08C98}" type="datetimeFigureOut">
               <a:rPr lang="zh-CN" altLang="en-US" smtClean="0"/>
-              <a:t>2018/6/26 Tuesday</a:t>
+              <a:t>2018/6/27 Wednesday</a:t>
             </a:fld>
             <a:endParaRPr lang="zh-CN" altLang="en-US"/>
           </a:p>
@@ -826,7 +829,7 @@
           <a:p>
             <a:fld id="{7A0FA66E-6460-4177-8E9C-553832E08C98}" type="datetimeFigureOut">
               <a:rPr lang="zh-CN" altLang="en-US" smtClean="0"/>
-              <a:t>2018/6/26 Tuesday</a:t>
+              <a:t>2018/6/27 Wednesday</a:t>
             </a:fld>
             <a:endParaRPr lang="zh-CN" altLang="en-US"/>
           </a:p>
@@ -1006,7 +1009,7 @@
           <a:p>
             <a:fld id="{7A0FA66E-6460-4177-8E9C-553832E08C98}" type="datetimeFigureOut">
               <a:rPr lang="zh-CN" altLang="en-US" smtClean="0"/>
-              <a:t>2018/6/26 Tuesday</a:t>
+              <a:t>2018/6/27 Wednesday</a:t>
             </a:fld>
             <a:endParaRPr lang="zh-CN" altLang="en-US"/>
           </a:p>
@@ -1176,7 +1179,7 @@
           <a:p>
             <a:fld id="{7A0FA66E-6460-4177-8E9C-553832E08C98}" type="datetimeFigureOut">
               <a:rPr lang="zh-CN" altLang="en-US" smtClean="0"/>
-              <a:t>2018/6/26 Tuesday</a:t>
+              <a:t>2018/6/27 Wednesday</a:t>
             </a:fld>
             <a:endParaRPr lang="zh-CN" altLang="en-US"/>
           </a:p>
@@ -1429,7 +1432,7 @@
           <a:p>
             <a:fld id="{7A0FA66E-6460-4177-8E9C-553832E08C98}" type="datetimeFigureOut">
               <a:rPr lang="zh-CN" altLang="en-US" smtClean="0"/>
-              <a:t>2018/6/26 Tuesday</a:t>
+              <a:t>2018/6/27 Wednesday</a:t>
             </a:fld>
             <a:endParaRPr lang="zh-CN" altLang="en-US"/>
           </a:p>
@@ -1724,7 +1727,7 @@
           <a:p>
             <a:fld id="{7A0FA66E-6460-4177-8E9C-553832E08C98}" type="datetimeFigureOut">
               <a:rPr lang="zh-CN" altLang="en-US" smtClean="0"/>
-              <a:t>2018/6/26 Tuesday</a:t>
+              <a:t>2018/6/27 Wednesday</a:t>
             </a:fld>
             <a:endParaRPr lang="zh-CN" altLang="en-US"/>
           </a:p>
@@ -2146,7 +2149,7 @@
           <a:p>
             <a:fld id="{7A0FA66E-6460-4177-8E9C-553832E08C98}" type="datetimeFigureOut">
               <a:rPr lang="zh-CN" altLang="en-US" smtClean="0"/>
-              <a:t>2018/6/26 Tuesday</a:t>
+              <a:t>2018/6/27 Wednesday</a:t>
             </a:fld>
             <a:endParaRPr lang="zh-CN" altLang="en-US"/>
           </a:p>
@@ -2264,7 +2267,7 @@
           <a:p>
             <a:fld id="{7A0FA66E-6460-4177-8E9C-553832E08C98}" type="datetimeFigureOut">
               <a:rPr lang="zh-CN" altLang="en-US" smtClean="0"/>
-              <a:t>2018/6/26 Tuesday</a:t>
+              <a:t>2018/6/27 Wednesday</a:t>
             </a:fld>
             <a:endParaRPr lang="zh-CN" altLang="en-US"/>
           </a:p>
@@ -2359,7 +2362,7 @@
           <a:p>
             <a:fld id="{7A0FA66E-6460-4177-8E9C-553832E08C98}" type="datetimeFigureOut">
               <a:rPr lang="zh-CN" altLang="en-US" smtClean="0"/>
-              <a:t>2018/6/26 Tuesday</a:t>
+              <a:t>2018/6/27 Wednesday</a:t>
             </a:fld>
             <a:endParaRPr lang="zh-CN" altLang="en-US"/>
           </a:p>
@@ -2636,7 +2639,7 @@
           <a:p>
             <a:fld id="{7A0FA66E-6460-4177-8E9C-553832E08C98}" type="datetimeFigureOut">
               <a:rPr lang="zh-CN" altLang="en-US" smtClean="0"/>
-              <a:t>2018/6/26 Tuesday</a:t>
+              <a:t>2018/6/27 Wednesday</a:t>
             </a:fld>
             <a:endParaRPr lang="zh-CN" altLang="en-US"/>
           </a:p>
@@ -2889,7 +2892,7 @@
           <a:p>
             <a:fld id="{7A0FA66E-6460-4177-8E9C-553832E08C98}" type="datetimeFigureOut">
               <a:rPr lang="zh-CN" altLang="en-US" smtClean="0"/>
-              <a:t>2018/6/26 Tuesday</a:t>
+              <a:t>2018/6/27 Wednesday</a:t>
             </a:fld>
             <a:endParaRPr lang="zh-CN" altLang="en-US"/>
           </a:p>
@@ -3111,7 +3114,7 @@
           <a:p>
             <a:fld id="{7A0FA66E-6460-4177-8E9C-553832E08C98}" type="datetimeFigureOut">
               <a:rPr lang="zh-CN" altLang="en-US" smtClean="0"/>
-              <a:t>2018/6/26 Tuesday</a:t>
+              <a:t>2018/6/27 Wednesday</a:t>
             </a:fld>
             <a:endParaRPr lang="zh-CN" altLang="en-US"/>
           </a:p>
@@ -3617,6 +3620,388 @@
 </p:sld>
 </file>
 
+<file path=ppt/slides/slide10.xml><?xml version="1.0" encoding="utf-8"?>
+<p:sld xmlns:a="http://schemas.openxmlformats.org/drawingml/2006/main" xmlns:r="http://schemas.openxmlformats.org/officeDocument/2006/relationships" xmlns:p="http://schemas.openxmlformats.org/presentationml/2006/main">
+  <p:cSld>
+    <p:spTree>
+      <p:nvGrpSpPr>
+        <p:cNvPr id="1" name=""/>
+        <p:cNvGrpSpPr/>
+        <p:nvPr/>
+      </p:nvGrpSpPr>
+      <p:grpSpPr>
+        <a:xfrm>
+          <a:off x="0" y="0"/>
+          <a:ext cx="0" cy="0"/>
+          <a:chOff x="0" y="0"/>
+          <a:chExt cx="0" cy="0"/>
+        </a:xfrm>
+      </p:grpSpPr>
+      <p:sp>
+        <p:nvSpPr>
+          <p:cNvPr id="2" name="TextBox 1"/>
+          <p:cNvSpPr txBox="1"/>
+          <p:nvPr/>
+        </p:nvSpPr>
+        <p:spPr>
+          <a:xfrm>
+            <a:off x="1403648" y="692696"/>
+            <a:ext cx="2880320" cy="369332"/>
+          </a:xfrm>
+          <a:prstGeom prst="rect">
+            <a:avLst/>
+          </a:prstGeom>
+          <a:noFill/>
+        </p:spPr>
+        <p:txBody>
+          <a:bodyPr wrap="square" rtlCol="0">
+            <a:spAutoFit/>
+          </a:bodyPr>
+          <a:lstStyle/>
+          <a:p>
+            <a:r>
+              <a:rPr lang="en-US" altLang="zh-CN" dirty="0" smtClean="0"/>
+              <a:t>3.Float</a:t>
+            </a:r>
+            <a:r>
+              <a:rPr lang="zh-CN" altLang="en-US" dirty="0" smtClean="0"/>
+              <a:t>浮点型</a:t>
+            </a:r>
+            <a:endParaRPr lang="zh-CN" altLang="en-US" dirty="0"/>
+          </a:p>
+        </p:txBody>
+      </p:sp>
+      <p:sp>
+        <p:nvSpPr>
+          <p:cNvPr id="3" name="TextBox 2"/>
+          <p:cNvSpPr txBox="1"/>
+          <p:nvPr/>
+        </p:nvSpPr>
+        <p:spPr>
+          <a:xfrm>
+            <a:off x="1403648" y="1556792"/>
+            <a:ext cx="2880320" cy="369332"/>
+          </a:xfrm>
+          <a:prstGeom prst="rect">
+            <a:avLst/>
+          </a:prstGeom>
+          <a:noFill/>
+        </p:spPr>
+        <p:txBody>
+          <a:bodyPr wrap="square" rtlCol="0">
+            <a:spAutoFit/>
+          </a:bodyPr>
+          <a:lstStyle/>
+          <a:p>
+            <a:r>
+              <a:rPr lang="zh-CN" altLang="en-US" dirty="0" smtClean="0"/>
+              <a:t>方式一：标准格式</a:t>
+            </a:r>
+            <a:endParaRPr lang="zh-CN" altLang="en-US" dirty="0"/>
+          </a:p>
+        </p:txBody>
+      </p:sp>
+      <p:pic>
+        <p:nvPicPr>
+          <p:cNvPr id="2050" name="Picture 2" descr="C:\Users\Administrator\Desktop\09.PNG"/>
+          <p:cNvPicPr>
+            <a:picLocks noChangeAspect="1" noChangeArrowheads="1"/>
+          </p:cNvPicPr>
+          <p:nvPr/>
+        </p:nvPicPr>
+        <p:blipFill>
+          <a:blip r:embed="rId2">
+            <a:extLst>
+              <a:ext uri="{28A0092B-C50C-407E-A947-70E740481C1C}">
+                <a14:useLocalDpi xmlns:a14="http://schemas.microsoft.com/office/drawing/2010/main" val="0"/>
+              </a:ext>
+            </a:extLst>
+          </a:blip>
+          <a:srcRect/>
+          <a:stretch>
+            <a:fillRect/>
+          </a:stretch>
+        </p:blipFill>
+        <p:spPr bwMode="auto">
+          <a:xfrm>
+            <a:off x="1403648" y="2051050"/>
+            <a:ext cx="3657600" cy="628650"/>
+          </a:xfrm>
+          <a:prstGeom prst="rect">
+            <a:avLst/>
+          </a:prstGeom>
+          <a:noFill/>
+          <a:extLst>
+            <a:ext uri="{909E8E84-426E-40DD-AFC4-6F175D3DCCD1}">
+              <a14:hiddenFill xmlns:a14="http://schemas.microsoft.com/office/drawing/2010/main">
+                <a:solidFill>
+                  <a:srgbClr val="FFFFFF"/>
+                </a:solidFill>
+              </a14:hiddenFill>
+            </a:ext>
+          </a:extLst>
+        </p:spPr>
+      </p:pic>
+      <p:sp>
+        <p:nvSpPr>
+          <p:cNvPr id="4" name="TextBox 3"/>
+          <p:cNvSpPr txBox="1"/>
+          <p:nvPr/>
+        </p:nvSpPr>
+        <p:spPr>
+          <a:xfrm>
+            <a:off x="1763688" y="3573016"/>
+            <a:ext cx="2723823" cy="369332"/>
+          </a:xfrm>
+          <a:prstGeom prst="rect">
+            <a:avLst/>
+          </a:prstGeom>
+          <a:noFill/>
+        </p:spPr>
+        <p:txBody>
+          <a:bodyPr wrap="none" rtlCol="0">
+            <a:spAutoFit/>
+          </a:bodyPr>
+          <a:lstStyle/>
+          <a:p>
+            <a:r>
+              <a:rPr lang="zh-CN" altLang="en-US" dirty="0" smtClean="0"/>
+              <a:t>方式二：科学计数法格式</a:t>
+            </a:r>
+            <a:endParaRPr lang="zh-CN" altLang="en-US" dirty="0"/>
+          </a:p>
+        </p:txBody>
+      </p:sp>
+      <p:pic>
+        <p:nvPicPr>
+          <p:cNvPr id="2051" name="Picture 3" descr="C:\Users\Administrator\Desktop\10.PNG"/>
+          <p:cNvPicPr>
+            <a:picLocks noChangeAspect="1" noChangeArrowheads="1"/>
+          </p:cNvPicPr>
+          <p:nvPr/>
+        </p:nvPicPr>
+        <p:blipFill>
+          <a:blip r:embed="rId3">
+            <a:extLst>
+              <a:ext uri="{28A0092B-C50C-407E-A947-70E740481C1C}">
+                <a14:useLocalDpi xmlns:a14="http://schemas.microsoft.com/office/drawing/2010/main" val="0"/>
+              </a:ext>
+            </a:extLst>
+          </a:blip>
+          <a:srcRect/>
+          <a:stretch>
+            <a:fillRect/>
+          </a:stretch>
+        </p:blipFill>
+        <p:spPr bwMode="auto">
+          <a:xfrm>
+            <a:off x="1547664" y="4779963"/>
+            <a:ext cx="3609975" cy="609600"/>
+          </a:xfrm>
+          <a:prstGeom prst="rect">
+            <a:avLst/>
+          </a:prstGeom>
+          <a:noFill/>
+          <a:extLst>
+            <a:ext uri="{909E8E84-426E-40DD-AFC4-6F175D3DCCD1}">
+              <a14:hiddenFill xmlns:a14="http://schemas.microsoft.com/office/drawing/2010/main">
+                <a:solidFill>
+                  <a:srgbClr val="FFFFFF"/>
+                </a:solidFill>
+              </a14:hiddenFill>
+            </a:ext>
+          </a:extLst>
+        </p:spPr>
+      </p:pic>
+    </p:spTree>
+    <p:extLst>
+      <p:ext uri="{BB962C8B-B14F-4D97-AF65-F5344CB8AC3E}">
+        <p14:creationId xmlns:p14="http://schemas.microsoft.com/office/powerpoint/2010/main" val="28839913"/>
+      </p:ext>
+    </p:extLst>
+  </p:cSld>
+  <p:clrMapOvr>
+    <a:masterClrMapping/>
+  </p:clrMapOvr>
+</p:sld>
+</file>
+
+<file path=ppt/slides/slide11.xml><?xml version="1.0" encoding="utf-8"?>
+<p:sld xmlns:a="http://schemas.openxmlformats.org/drawingml/2006/main" xmlns:r="http://schemas.openxmlformats.org/officeDocument/2006/relationships" xmlns:p="http://schemas.openxmlformats.org/presentationml/2006/main">
+  <p:cSld>
+    <p:spTree>
+      <p:nvGrpSpPr>
+        <p:cNvPr id="1" name=""/>
+        <p:cNvGrpSpPr/>
+        <p:nvPr/>
+      </p:nvGrpSpPr>
+      <p:grpSpPr>
+        <a:xfrm>
+          <a:off x="0" y="0"/>
+          <a:ext cx="0" cy="0"/>
+          <a:chOff x="0" y="0"/>
+          <a:chExt cx="0" cy="0"/>
+        </a:xfrm>
+      </p:grpSpPr>
+      <p:sp>
+        <p:nvSpPr>
+          <p:cNvPr id="2" name="TextBox 1"/>
+          <p:cNvSpPr txBox="1"/>
+          <p:nvPr/>
+        </p:nvSpPr>
+        <p:spPr>
+          <a:xfrm>
+            <a:off x="2267744" y="908720"/>
+            <a:ext cx="2952328" cy="369332"/>
+          </a:xfrm>
+          <a:prstGeom prst="rect">
+            <a:avLst/>
+          </a:prstGeom>
+          <a:noFill/>
+        </p:spPr>
+        <p:txBody>
+          <a:bodyPr wrap="square" rtlCol="0">
+            <a:spAutoFit/>
+          </a:bodyPr>
+          <a:lstStyle/>
+          <a:p>
+            <a:r>
+              <a:rPr lang="en-US" altLang="zh-CN" dirty="0" smtClean="0"/>
+              <a:t>String </a:t>
+            </a:r>
+            <a:r>
+              <a:rPr lang="zh-CN" altLang="en-US" dirty="0" smtClean="0"/>
+              <a:t>字符串型</a:t>
+            </a:r>
+            <a:endParaRPr lang="zh-CN" altLang="en-US" dirty="0"/>
+          </a:p>
+        </p:txBody>
+      </p:sp>
+      <p:pic>
+        <p:nvPicPr>
+          <p:cNvPr id="3074" name="Picture 2" descr="C:\Users\Administrator\Desktop\11.PNG"/>
+          <p:cNvPicPr>
+            <a:picLocks noChangeAspect="1" noChangeArrowheads="1"/>
+          </p:cNvPicPr>
+          <p:nvPr/>
+        </p:nvPicPr>
+        <p:blipFill>
+          <a:blip r:embed="rId2">
+            <a:extLst>
+              <a:ext uri="{28A0092B-C50C-407E-A947-70E740481C1C}">
+                <a14:useLocalDpi xmlns:a14="http://schemas.microsoft.com/office/drawing/2010/main" val="0"/>
+              </a:ext>
+            </a:extLst>
+          </a:blip>
+          <a:srcRect/>
+          <a:stretch>
+            <a:fillRect/>
+          </a:stretch>
+        </p:blipFill>
+        <p:spPr bwMode="auto">
+          <a:xfrm>
+            <a:off x="627063" y="1555750"/>
+            <a:ext cx="3524250" cy="619125"/>
+          </a:xfrm>
+          <a:prstGeom prst="rect">
+            <a:avLst/>
+          </a:prstGeom>
+          <a:noFill/>
+          <a:extLst>
+            <a:ext uri="{909E8E84-426E-40DD-AFC4-6F175D3DCCD1}">
+              <a14:hiddenFill xmlns:a14="http://schemas.microsoft.com/office/drawing/2010/main">
+                <a:solidFill>
+                  <a:srgbClr val="FFFFFF"/>
+                </a:solidFill>
+              </a14:hiddenFill>
+            </a:ext>
+          </a:extLst>
+        </p:spPr>
+      </p:pic>
+      <p:pic>
+        <p:nvPicPr>
+          <p:cNvPr id="3076" name="Picture 4" descr="C:\Users\Administrator\Desktop\12.PNG"/>
+          <p:cNvPicPr>
+            <a:picLocks noChangeAspect="1" noChangeArrowheads="1"/>
+          </p:cNvPicPr>
+          <p:nvPr/>
+        </p:nvPicPr>
+        <p:blipFill>
+          <a:blip r:embed="rId3">
+            <a:extLst>
+              <a:ext uri="{28A0092B-C50C-407E-A947-70E740481C1C}">
+                <a14:useLocalDpi xmlns:a14="http://schemas.microsoft.com/office/drawing/2010/main" val="0"/>
+              </a:ext>
+            </a:extLst>
+          </a:blip>
+          <a:srcRect/>
+          <a:stretch>
+            <a:fillRect/>
+          </a:stretch>
+        </p:blipFill>
+        <p:spPr bwMode="auto">
+          <a:xfrm>
+            <a:off x="840581" y="3770977"/>
+            <a:ext cx="6621463" cy="1381125"/>
+          </a:xfrm>
+          <a:prstGeom prst="rect">
+            <a:avLst/>
+          </a:prstGeom>
+          <a:noFill/>
+          <a:extLst>
+            <a:ext uri="{909E8E84-426E-40DD-AFC4-6F175D3DCCD1}">
+              <a14:hiddenFill xmlns:a14="http://schemas.microsoft.com/office/drawing/2010/main">
+                <a:solidFill>
+                  <a:srgbClr val="FFFFFF"/>
+                </a:solidFill>
+              </a14:hiddenFill>
+            </a:ext>
+          </a:extLst>
+        </p:spPr>
+      </p:pic>
+    </p:spTree>
+    <p:extLst>
+      <p:ext uri="{BB962C8B-B14F-4D97-AF65-F5344CB8AC3E}">
+        <p14:creationId xmlns:p14="http://schemas.microsoft.com/office/powerpoint/2010/main" val="3797589939"/>
+      </p:ext>
+    </p:extLst>
+  </p:cSld>
+  <p:clrMapOvr>
+    <a:masterClrMapping/>
+  </p:clrMapOvr>
+</p:sld>
+</file>
+
+<file path=ppt/slides/slide12.xml><?xml version="1.0" encoding="utf-8"?>
+<p:sld xmlns:a="http://schemas.openxmlformats.org/drawingml/2006/main" xmlns:r="http://schemas.openxmlformats.org/officeDocument/2006/relationships" xmlns:p="http://schemas.openxmlformats.org/presentationml/2006/main">
+  <p:cSld>
+    <p:spTree>
+      <p:nvGrpSpPr>
+        <p:cNvPr id="1" name=""/>
+        <p:cNvGrpSpPr/>
+        <p:nvPr/>
+      </p:nvGrpSpPr>
+      <p:grpSpPr>
+        <a:xfrm>
+          <a:off x="0" y="0"/>
+          <a:ext cx="0" cy="0"/>
+          <a:chOff x="0" y="0"/>
+          <a:chExt cx="0" cy="0"/>
+        </a:xfrm>
+      </p:grpSpPr>
+    </p:spTree>
+    <p:extLst>
+      <p:ext uri="{BB962C8B-B14F-4D97-AF65-F5344CB8AC3E}">
+        <p14:creationId xmlns:p14="http://schemas.microsoft.com/office/powerpoint/2010/main" val="1441341359"/>
+      </p:ext>
+    </p:extLst>
+  </p:cSld>
+  <p:clrMapOvr>
+    <a:masterClrMapping/>
+  </p:clrMapOvr>
+</p:sld>
+</file>
+
 <file path=ppt/slides/slide2.xml><?xml version="1.0" encoding="utf-8"?>
 <p:sld xmlns:a="http://schemas.openxmlformats.org/drawingml/2006/main" xmlns:r="http://schemas.openxmlformats.org/officeDocument/2006/relationships" xmlns:p="http://schemas.openxmlformats.org/presentationml/2006/main">
   <p:cSld>
@@ -5154,6 +5539,190 @@
           <a:chExt cx="0" cy="0"/>
         </a:xfrm>
       </p:grpSpPr>
+      <p:sp>
+        <p:nvSpPr>
+          <p:cNvPr id="2" name="TextBox 1"/>
+          <p:cNvSpPr txBox="1"/>
+          <p:nvPr/>
+        </p:nvSpPr>
+        <p:spPr>
+          <a:xfrm>
+            <a:off x="2771800" y="980728"/>
+            <a:ext cx="2520280" cy="369332"/>
+          </a:xfrm>
+          <a:prstGeom prst="rect">
+            <a:avLst/>
+          </a:prstGeom>
+          <a:noFill/>
+        </p:spPr>
+        <p:txBody>
+          <a:bodyPr wrap="square" rtlCol="0">
+            <a:spAutoFit/>
+          </a:bodyPr>
+          <a:lstStyle/>
+          <a:p>
+            <a:r>
+              <a:rPr lang="en-US" altLang="zh-CN" dirty="0" smtClean="0"/>
+              <a:t>PHP</a:t>
+            </a:r>
+            <a:r>
+              <a:rPr lang="zh-CN" altLang="en-US" dirty="0" smtClean="0"/>
+              <a:t>的数据类型</a:t>
+            </a:r>
+            <a:endParaRPr lang="zh-CN" altLang="en-US" dirty="0"/>
+          </a:p>
+        </p:txBody>
+      </p:sp>
+      <p:sp>
+        <p:nvSpPr>
+          <p:cNvPr id="3" name="TextBox 2"/>
+          <p:cNvSpPr txBox="1"/>
+          <p:nvPr/>
+        </p:nvSpPr>
+        <p:spPr>
+          <a:xfrm>
+            <a:off x="539552" y="1484784"/>
+            <a:ext cx="2952328" cy="369332"/>
+          </a:xfrm>
+          <a:prstGeom prst="rect">
+            <a:avLst/>
+          </a:prstGeom>
+          <a:noFill/>
+        </p:spPr>
+        <p:txBody>
+          <a:bodyPr wrap="square" rtlCol="0">
+            <a:spAutoFit/>
+          </a:bodyPr>
+          <a:lstStyle/>
+          <a:p>
+            <a:r>
+              <a:rPr lang="en-US" altLang="zh-CN" dirty="0" smtClean="0"/>
+              <a:t>1.Boolean</a:t>
+            </a:r>
+            <a:r>
+              <a:rPr lang="zh-CN" altLang="en-US" dirty="0" smtClean="0"/>
+              <a:t>布尔型</a:t>
+            </a:r>
+            <a:endParaRPr lang="zh-CN" altLang="en-US" dirty="0"/>
+          </a:p>
+        </p:txBody>
+      </p:sp>
+      <p:pic>
+        <p:nvPicPr>
+          <p:cNvPr id="1026" name="Picture 2" descr="C:\Users\Administrator\Desktop\07.PNG"/>
+          <p:cNvPicPr>
+            <a:picLocks noChangeAspect="1" noChangeArrowheads="1"/>
+          </p:cNvPicPr>
+          <p:nvPr/>
+        </p:nvPicPr>
+        <p:blipFill>
+          <a:blip r:embed="rId2">
+            <a:extLst>
+              <a:ext uri="{28A0092B-C50C-407E-A947-70E740481C1C}">
+                <a14:useLocalDpi xmlns:a14="http://schemas.microsoft.com/office/drawing/2010/main" val="0"/>
+              </a:ext>
+            </a:extLst>
+          </a:blip>
+          <a:srcRect/>
+          <a:stretch>
+            <a:fillRect/>
+          </a:stretch>
+        </p:blipFill>
+        <p:spPr bwMode="auto">
+          <a:xfrm>
+            <a:off x="925475" y="2106900"/>
+            <a:ext cx="3476626" cy="790575"/>
+          </a:xfrm>
+          <a:prstGeom prst="rect">
+            <a:avLst/>
+          </a:prstGeom>
+          <a:noFill/>
+          <a:extLst>
+            <a:ext uri="{909E8E84-426E-40DD-AFC4-6F175D3DCCD1}">
+              <a14:hiddenFill xmlns:a14="http://schemas.microsoft.com/office/drawing/2010/main">
+                <a:solidFill>
+                  <a:srgbClr val="FFFFFF"/>
+                </a:solidFill>
+              </a14:hiddenFill>
+            </a:ext>
+          </a:extLst>
+        </p:spPr>
+      </p:pic>
+      <p:sp>
+        <p:nvSpPr>
+          <p:cNvPr id="5" name="TextBox 4"/>
+          <p:cNvSpPr txBox="1"/>
+          <p:nvPr/>
+        </p:nvSpPr>
+        <p:spPr>
+          <a:xfrm>
+            <a:off x="683568" y="3284984"/>
+            <a:ext cx="2808312" cy="369332"/>
+          </a:xfrm>
+          <a:prstGeom prst="rect">
+            <a:avLst/>
+          </a:prstGeom>
+          <a:noFill/>
+        </p:spPr>
+        <p:txBody>
+          <a:bodyPr wrap="square" rtlCol="0">
+            <a:spAutoFit/>
+          </a:bodyPr>
+          <a:lstStyle/>
+          <a:p>
+            <a:r>
+              <a:rPr lang="en-US" altLang="zh-CN" dirty="0" smtClean="0"/>
+              <a:t>2.Integer</a:t>
+            </a:r>
+            <a:r>
+              <a:rPr lang="zh-CN" altLang="en-US" dirty="0" smtClean="0"/>
+              <a:t>整型</a:t>
+            </a:r>
+            <a:endParaRPr lang="zh-CN" altLang="en-US" dirty="0"/>
+          </a:p>
+        </p:txBody>
+      </p:sp>
+      <p:pic>
+        <p:nvPicPr>
+          <p:cNvPr id="1027" name="Picture 3" descr="C:\Users\Administrator\Desktop\08.PNG"/>
+          <p:cNvPicPr>
+            <a:picLocks noChangeAspect="1" noChangeArrowheads="1"/>
+          </p:cNvPicPr>
+          <p:nvPr/>
+        </p:nvPicPr>
+        <p:blipFill>
+          <a:blip r:embed="rId3">
+            <a:extLst>
+              <a:ext uri="{28A0092B-C50C-407E-A947-70E740481C1C}">
+                <a14:useLocalDpi xmlns:a14="http://schemas.microsoft.com/office/drawing/2010/main" val="0"/>
+              </a:ext>
+            </a:extLst>
+          </a:blip>
+          <a:srcRect/>
+          <a:stretch>
+            <a:fillRect/>
+          </a:stretch>
+        </p:blipFill>
+        <p:spPr bwMode="auto">
+          <a:xfrm>
+            <a:off x="801651" y="4028445"/>
+            <a:ext cx="3600450" cy="1123950"/>
+          </a:xfrm>
+          <a:prstGeom prst="rect">
+            <a:avLst/>
+          </a:prstGeom>
+          <a:noFill/>
+          <a:extLst>
+            <a:ext uri="{909E8E84-426E-40DD-AFC4-6F175D3DCCD1}">
+              <a14:hiddenFill xmlns:a14="http://schemas.microsoft.com/office/drawing/2010/main">
+                <a:solidFill>
+                  <a:srgbClr val="FFFFFF"/>
+                </a:solidFill>
+              </a14:hiddenFill>
+            </a:ext>
+          </a:extLst>
+        </p:spPr>
+      </p:pic>
     </p:spTree>
     <p:extLst>
       <p:ext uri="{BB962C8B-B14F-4D97-AF65-F5344CB8AC3E}">

--- a/PHP.pptx
+++ b/PHP.pptx
@@ -5,7 +5,7 @@
     <p:sldMasterId id="2147483648" r:id="rId1"/>
   </p:sldMasterIdLst>
   <p:notesMasterIdLst>
-    <p:notesMasterId r:id="rId14"/>
+    <p:notesMasterId r:id="rId15"/>
   </p:notesMasterIdLst>
   <p:sldIdLst>
     <p:sldId id="256" r:id="rId2"/>
@@ -20,6 +20,7 @@
     <p:sldId id="265" r:id="rId11"/>
     <p:sldId id="266" r:id="rId12"/>
     <p:sldId id="267" r:id="rId13"/>
+    <p:sldId id="268" r:id="rId14"/>
   </p:sldIdLst>
   <p:sldSz cx="9144000" cy="6858000" type="screen4x3"/>
   <p:notesSz cx="6858000" cy="9144000"/>
@@ -3989,10 +3990,622 @@
           <a:chExt cx="0" cy="0"/>
         </a:xfrm>
       </p:grpSpPr>
+      <p:sp>
+        <p:nvSpPr>
+          <p:cNvPr id="2" name="TextBox 1"/>
+          <p:cNvSpPr txBox="1"/>
+          <p:nvPr/>
+        </p:nvSpPr>
+        <p:spPr>
+          <a:xfrm>
+            <a:off x="2051720" y="836712"/>
+            <a:ext cx="1800493" cy="369332"/>
+          </a:xfrm>
+          <a:prstGeom prst="rect">
+            <a:avLst/>
+          </a:prstGeom>
+          <a:noFill/>
+        </p:spPr>
+        <p:txBody>
+          <a:bodyPr wrap="none" rtlCol="0">
+            <a:spAutoFit/>
+          </a:bodyPr>
+          <a:lstStyle/>
+          <a:p>
+            <a:r>
+              <a:rPr lang="zh-CN" altLang="en-US" dirty="0" smtClean="0"/>
+              <a:t>变量类型的转换</a:t>
+            </a:r>
+            <a:endParaRPr lang="zh-CN" altLang="en-US" dirty="0"/>
+          </a:p>
+        </p:txBody>
+      </p:sp>
+      <p:sp>
+        <p:nvSpPr>
+          <p:cNvPr id="3" name="TextBox 2"/>
+          <p:cNvSpPr txBox="1"/>
+          <p:nvPr/>
+        </p:nvSpPr>
+        <p:spPr>
+          <a:xfrm>
+            <a:off x="1397836" y="1598482"/>
+            <a:ext cx="1569660" cy="369332"/>
+          </a:xfrm>
+          <a:prstGeom prst="rect">
+            <a:avLst/>
+          </a:prstGeom>
+          <a:noFill/>
+        </p:spPr>
+        <p:txBody>
+          <a:bodyPr wrap="none" rtlCol="0">
+            <a:spAutoFit/>
+          </a:bodyPr>
+          <a:lstStyle/>
+          <a:p>
+            <a:r>
+              <a:rPr lang="zh-CN" altLang="en-US" dirty="0" smtClean="0"/>
+              <a:t>自动类型转换</a:t>
+            </a:r>
+            <a:endParaRPr lang="zh-CN" altLang="en-US" dirty="0"/>
+          </a:p>
+        </p:txBody>
+      </p:sp>
+      <p:sp>
+        <p:nvSpPr>
+          <p:cNvPr id="4" name="TextBox 3"/>
+          <p:cNvSpPr txBox="1"/>
+          <p:nvPr/>
+        </p:nvSpPr>
+        <p:spPr>
+          <a:xfrm>
+            <a:off x="1407582" y="2420888"/>
+            <a:ext cx="1569660" cy="369332"/>
+          </a:xfrm>
+          <a:prstGeom prst="rect">
+            <a:avLst/>
+          </a:prstGeom>
+          <a:noFill/>
+        </p:spPr>
+        <p:txBody>
+          <a:bodyPr wrap="none" rtlCol="0">
+            <a:spAutoFit/>
+          </a:bodyPr>
+          <a:lstStyle/>
+          <a:p>
+            <a:r>
+              <a:rPr lang="zh-CN" altLang="en-US" dirty="0" smtClean="0"/>
+              <a:t>转换成布尔型</a:t>
+            </a:r>
+            <a:endParaRPr lang="zh-CN" altLang="en-US" dirty="0"/>
+          </a:p>
+        </p:txBody>
+      </p:sp>
+      <p:sp>
+        <p:nvSpPr>
+          <p:cNvPr id="5" name="TextBox 4"/>
+          <p:cNvSpPr txBox="1"/>
+          <p:nvPr/>
+        </p:nvSpPr>
+        <p:spPr>
+          <a:xfrm>
+            <a:off x="1390633" y="2868404"/>
+            <a:ext cx="3877985" cy="1754326"/>
+          </a:xfrm>
+          <a:prstGeom prst="rect">
+            <a:avLst/>
+          </a:prstGeom>
+          <a:noFill/>
+        </p:spPr>
+        <p:txBody>
+          <a:bodyPr wrap="none" rtlCol="0">
+            <a:spAutoFit/>
+          </a:bodyPr>
+          <a:lstStyle/>
+          <a:p>
+            <a:r>
+              <a:rPr lang="zh-CN" altLang="en-US" dirty="0" smtClean="0"/>
+              <a:t>系统会自动将其他类型转为布尔型。</a:t>
+            </a:r>
+            <a:endParaRPr lang="en-US" altLang="zh-CN" dirty="0" smtClean="0"/>
+          </a:p>
+          <a:p>
+            <a:r>
+              <a:rPr lang="zh-CN" altLang="en-US" dirty="0"/>
+              <a:t>正型值</a:t>
+            </a:r>
+            <a:r>
+              <a:rPr lang="en-US" altLang="zh-CN" dirty="0" smtClean="0"/>
+              <a:t>0</a:t>
+            </a:r>
+          </a:p>
+          <a:p>
+            <a:r>
+              <a:rPr lang="zh-CN" altLang="en-US" dirty="0"/>
+              <a:t>浮点</a:t>
+            </a:r>
+            <a:r>
+              <a:rPr lang="zh-CN" altLang="en-US" dirty="0" smtClean="0"/>
+              <a:t>值</a:t>
+            </a:r>
+            <a:r>
+              <a:rPr lang="en-US" altLang="zh-CN" dirty="0" smtClean="0"/>
+              <a:t>0.0</a:t>
+            </a:r>
+          </a:p>
+          <a:p>
+            <a:r>
+              <a:rPr lang="zh-CN" altLang="en-US" dirty="0"/>
+              <a:t>空字符串</a:t>
+            </a:r>
+            <a:r>
+              <a:rPr lang="zh-CN" altLang="en-US" dirty="0" smtClean="0"/>
+              <a:t>，</a:t>
+            </a:r>
+            <a:r>
+              <a:rPr lang="zh-CN" altLang="en-US" dirty="0"/>
+              <a:t>以及</a:t>
+            </a:r>
+            <a:r>
+              <a:rPr lang="zh-CN" altLang="en-US" dirty="0" smtClean="0"/>
+              <a:t>字符串“</a:t>
+            </a:r>
+            <a:r>
+              <a:rPr lang="en-US" altLang="zh-CN" dirty="0" smtClean="0"/>
+              <a:t>0</a:t>
+            </a:r>
+            <a:r>
+              <a:rPr lang="zh-CN" altLang="en-US" dirty="0" smtClean="0"/>
+              <a:t>”</a:t>
+            </a:r>
+            <a:endParaRPr lang="en-US" altLang="zh-CN" dirty="0" smtClean="0"/>
+          </a:p>
+          <a:p>
+            <a:r>
+              <a:rPr lang="zh-CN" altLang="en-US" dirty="0"/>
+              <a:t>不包括任何元素的</a:t>
+            </a:r>
+            <a:r>
+              <a:rPr lang="zh-CN" altLang="en-US" dirty="0" smtClean="0"/>
+              <a:t>数组</a:t>
+            </a:r>
+            <a:endParaRPr lang="en-US" altLang="zh-CN" dirty="0" smtClean="0"/>
+          </a:p>
+          <a:p>
+            <a:endParaRPr lang="zh-CN" altLang="en-US" dirty="0"/>
+          </a:p>
+        </p:txBody>
+      </p:sp>
+      <p:sp>
+        <p:nvSpPr>
+          <p:cNvPr id="6" name="TextBox 5"/>
+          <p:cNvSpPr txBox="1"/>
+          <p:nvPr/>
+        </p:nvSpPr>
+        <p:spPr>
+          <a:xfrm>
+            <a:off x="6444208" y="2087463"/>
+            <a:ext cx="1338828" cy="369332"/>
+          </a:xfrm>
+          <a:prstGeom prst="rect">
+            <a:avLst/>
+          </a:prstGeom>
+          <a:noFill/>
+        </p:spPr>
+        <p:txBody>
+          <a:bodyPr wrap="none" rtlCol="0">
+            <a:spAutoFit/>
+          </a:bodyPr>
+          <a:lstStyle/>
+          <a:p>
+            <a:r>
+              <a:rPr lang="zh-CN" altLang="en-US" dirty="0" smtClean="0"/>
+              <a:t>转换成整型</a:t>
+            </a:r>
+            <a:endParaRPr lang="zh-CN" altLang="en-US" dirty="0"/>
+          </a:p>
+        </p:txBody>
+      </p:sp>
+      <p:sp>
+        <p:nvSpPr>
+          <p:cNvPr id="7" name="TextBox 6"/>
+          <p:cNvSpPr txBox="1"/>
+          <p:nvPr/>
+        </p:nvSpPr>
+        <p:spPr>
+          <a:xfrm>
+            <a:off x="5364088" y="2827512"/>
+            <a:ext cx="6353021" cy="923330"/>
+          </a:xfrm>
+          <a:prstGeom prst="rect">
+            <a:avLst/>
+          </a:prstGeom>
+          <a:noFill/>
+        </p:spPr>
+        <p:txBody>
+          <a:bodyPr wrap="none" rtlCol="0">
+            <a:spAutoFit/>
+          </a:bodyPr>
+          <a:lstStyle/>
+          <a:p>
+            <a:r>
+              <a:rPr lang="zh-CN" altLang="en-US" dirty="0" smtClean="0"/>
+              <a:t>布尔值投入</a:t>
+            </a:r>
+            <a:r>
+              <a:rPr lang="en-US" altLang="zh-CN" dirty="0" smtClean="0"/>
+              <a:t>true</a:t>
+            </a:r>
+            <a:r>
+              <a:rPr lang="zh-CN" altLang="en-US" dirty="0" smtClean="0"/>
+              <a:t>，转换成整数</a:t>
+            </a:r>
+            <a:r>
+              <a:rPr lang="en-US" altLang="zh-CN" dirty="0" smtClean="0"/>
+              <a:t>1</a:t>
+            </a:r>
+            <a:r>
+              <a:rPr lang="zh-CN" altLang="en-US" dirty="0" smtClean="0"/>
+              <a:t>；布尔值发绿色，转换成整数</a:t>
+            </a:r>
+            <a:r>
+              <a:rPr lang="en-US" altLang="zh-CN" dirty="0" smtClean="0"/>
+              <a:t>0</a:t>
+            </a:r>
+          </a:p>
+          <a:p>
+            <a:r>
+              <a:rPr lang="zh-CN" altLang="en-US" dirty="0"/>
+              <a:t>浮点数转换成整数</a:t>
+            </a:r>
+            <a:r>
+              <a:rPr lang="zh-CN" altLang="en-US" dirty="0" smtClean="0"/>
+              <a:t>，</a:t>
+            </a:r>
+            <a:r>
+              <a:rPr lang="zh-CN" altLang="en-US" dirty="0"/>
+              <a:t>将向下取</a:t>
+            </a:r>
+            <a:r>
+              <a:rPr lang="zh-CN" altLang="en-US" dirty="0" smtClean="0"/>
+              <a:t>整</a:t>
+            </a:r>
+            <a:endParaRPr lang="en-US" altLang="zh-CN" dirty="0" smtClean="0"/>
+          </a:p>
+          <a:p>
+            <a:endParaRPr lang="zh-CN" altLang="en-US" dirty="0"/>
+          </a:p>
+        </p:txBody>
+      </p:sp>
     </p:spTree>
     <p:extLst>
       <p:ext uri="{BB962C8B-B14F-4D97-AF65-F5344CB8AC3E}">
         <p14:creationId xmlns:p14="http://schemas.microsoft.com/office/powerpoint/2010/main" val="1441341359"/>
+      </p:ext>
+    </p:extLst>
+  </p:cSld>
+  <p:clrMapOvr>
+    <a:masterClrMapping/>
+  </p:clrMapOvr>
+</p:sld>
+</file>
+
+<file path=ppt/slides/slide13.xml><?xml version="1.0" encoding="utf-8"?>
+<p:sld xmlns:a="http://schemas.openxmlformats.org/drawingml/2006/main" xmlns:r="http://schemas.openxmlformats.org/officeDocument/2006/relationships" xmlns:p="http://schemas.openxmlformats.org/presentationml/2006/main">
+  <p:cSld>
+    <p:spTree>
+      <p:nvGrpSpPr>
+        <p:cNvPr id="1" name=""/>
+        <p:cNvGrpSpPr/>
+        <p:nvPr/>
+      </p:nvGrpSpPr>
+      <p:grpSpPr>
+        <a:xfrm>
+          <a:off x="0" y="0"/>
+          <a:ext cx="0" cy="0"/>
+          <a:chOff x="0" y="0"/>
+          <a:chExt cx="0" cy="0"/>
+        </a:xfrm>
+      </p:grpSpPr>
+      <p:sp>
+        <p:nvSpPr>
+          <p:cNvPr id="2" name="TextBox 1"/>
+          <p:cNvSpPr txBox="1"/>
+          <p:nvPr/>
+        </p:nvSpPr>
+        <p:spPr>
+          <a:xfrm>
+            <a:off x="3203848" y="1052736"/>
+            <a:ext cx="1569660" cy="369332"/>
+          </a:xfrm>
+          <a:prstGeom prst="rect">
+            <a:avLst/>
+          </a:prstGeom>
+          <a:noFill/>
+        </p:spPr>
+        <p:txBody>
+          <a:bodyPr wrap="none" rtlCol="0">
+            <a:spAutoFit/>
+          </a:bodyPr>
+          <a:lstStyle/>
+          <a:p>
+            <a:r>
+              <a:rPr lang="zh-CN" altLang="en-US" dirty="0" smtClean="0"/>
+              <a:t>强制类型转换</a:t>
+            </a:r>
+            <a:endParaRPr lang="zh-CN" altLang="en-US" dirty="0"/>
+          </a:p>
+        </p:txBody>
+      </p:sp>
+      <p:graphicFrame>
+        <p:nvGraphicFramePr>
+          <p:cNvPr id="3" name="表格 2"/>
+          <p:cNvGraphicFramePr>
+            <a:graphicFrameLocks noGrp="1"/>
+          </p:cNvGraphicFramePr>
+          <p:nvPr>
+            <p:extLst>
+              <p:ext uri="{D42A27DB-BD31-4B8C-83A1-F6EECF244321}">
+                <p14:modId xmlns:p14="http://schemas.microsoft.com/office/powerpoint/2010/main" val="3812072198"/>
+              </p:ext>
+            </p:extLst>
+          </p:nvPr>
+        </p:nvGraphicFramePr>
+        <p:xfrm>
+          <a:off x="1619672" y="1844824"/>
+          <a:ext cx="6096000" cy="2021840"/>
+        </p:xfrm>
+        <a:graphic>
+          <a:graphicData uri="http://schemas.openxmlformats.org/drawingml/2006/table">
+            <a:tbl>
+              <a:tblPr firstRow="1" bandRow="1">
+                <a:tableStyleId>{5C22544A-7EE6-4342-B048-85BDC9FD1C3A}</a:tableStyleId>
+              </a:tblPr>
+              <a:tblGrid>
+                <a:gridCol w="1524000"/>
+                <a:gridCol w="1524000"/>
+                <a:gridCol w="1524000"/>
+                <a:gridCol w="1524000"/>
+              </a:tblGrid>
+              <a:tr h="370840">
+                <a:tc>
+                  <a:txBody>
+                    <a:bodyPr/>
+                    <a:lstStyle/>
+                    <a:p>
+                      <a:r>
+                        <a:rPr lang="zh-CN" altLang="en-US" dirty="0" smtClean="0"/>
+                        <a:t>强制类型</a:t>
+                      </a:r>
+                      <a:endParaRPr lang="zh-CN" altLang="en-US" dirty="0"/>
+                    </a:p>
+                  </a:txBody>
+                  <a:tcPr/>
+                </a:tc>
+                <a:tc>
+                  <a:txBody>
+                    <a:bodyPr/>
+                    <a:lstStyle/>
+                    <a:p>
+                      <a:r>
+                        <a:rPr lang="zh-CN" altLang="en-US" dirty="0" smtClean="0"/>
+                        <a:t>功能描述</a:t>
+                      </a:r>
+                      <a:endParaRPr lang="zh-CN" altLang="en-US" dirty="0"/>
+                    </a:p>
+                  </a:txBody>
+                  <a:tcPr/>
+                </a:tc>
+                <a:tc>
+                  <a:txBody>
+                    <a:bodyPr/>
+                    <a:lstStyle/>
+                    <a:p>
+                      <a:r>
+                        <a:rPr lang="zh-CN" altLang="en-US" dirty="0" smtClean="0"/>
+                        <a:t>强转类型</a:t>
+                      </a:r>
+                      <a:endParaRPr lang="zh-CN" altLang="en-US" dirty="0"/>
+                    </a:p>
+                  </a:txBody>
+                  <a:tcPr/>
+                </a:tc>
+                <a:tc>
+                  <a:txBody>
+                    <a:bodyPr/>
+                    <a:lstStyle/>
+                    <a:p>
+                      <a:r>
+                        <a:rPr lang="zh-CN" altLang="en-US" dirty="0" smtClean="0"/>
+                        <a:t>功能描述</a:t>
+                      </a:r>
+                      <a:endParaRPr lang="zh-CN" altLang="en-US" dirty="0"/>
+                    </a:p>
+                  </a:txBody>
+                  <a:tcPr/>
+                </a:tc>
+              </a:tr>
+              <a:tr h="370840">
+                <a:tc>
+                  <a:txBody>
+                    <a:bodyPr/>
+                    <a:lstStyle/>
+                    <a:p>
+                      <a:r>
+                        <a:rPr lang="en-US" altLang="zh-CN" dirty="0" err="1" smtClean="0"/>
+                        <a:t>boolean</a:t>
+                      </a:r>
+                      <a:endParaRPr lang="zh-CN" altLang="en-US" dirty="0"/>
+                    </a:p>
+                  </a:txBody>
+                  <a:tcPr/>
+                </a:tc>
+                <a:tc>
+                  <a:txBody>
+                    <a:bodyPr/>
+                    <a:lstStyle/>
+                    <a:p>
+                      <a:r>
+                        <a:rPr lang="zh-CN" altLang="en-US" dirty="0" smtClean="0"/>
+                        <a:t>强转为布尔型</a:t>
+                      </a:r>
+                      <a:endParaRPr lang="zh-CN" altLang="en-US" dirty="0"/>
+                    </a:p>
+                  </a:txBody>
+                  <a:tcPr/>
+                </a:tc>
+                <a:tc>
+                  <a:txBody>
+                    <a:bodyPr/>
+                    <a:lstStyle/>
+                    <a:p>
+                      <a:r>
+                        <a:rPr lang="en-US" altLang="zh-CN" dirty="0" smtClean="0"/>
+                        <a:t>float</a:t>
+                      </a:r>
+                      <a:endParaRPr lang="zh-CN" altLang="en-US" dirty="0"/>
+                    </a:p>
+                  </a:txBody>
+                  <a:tcPr/>
+                </a:tc>
+                <a:tc>
+                  <a:txBody>
+                    <a:bodyPr/>
+                    <a:lstStyle/>
+                    <a:p>
+                      <a:r>
+                        <a:rPr lang="zh-CN" altLang="en-US" dirty="0" smtClean="0"/>
+                        <a:t>强转为浮点型</a:t>
+                      </a:r>
+                      <a:endParaRPr lang="zh-CN" altLang="en-US" dirty="0"/>
+                    </a:p>
+                  </a:txBody>
+                  <a:tcPr/>
+                </a:tc>
+              </a:tr>
+              <a:tr h="370840">
+                <a:tc>
+                  <a:txBody>
+                    <a:bodyPr/>
+                    <a:lstStyle/>
+                    <a:p>
+                      <a:r>
+                        <a:rPr lang="en-US" altLang="zh-CN" dirty="0" smtClean="0"/>
+                        <a:t>string</a:t>
+                      </a:r>
+                      <a:endParaRPr lang="zh-CN" altLang="en-US" dirty="0"/>
+                    </a:p>
+                  </a:txBody>
+                  <a:tcPr/>
+                </a:tc>
+                <a:tc>
+                  <a:txBody>
+                    <a:bodyPr/>
+                    <a:lstStyle/>
+                    <a:p>
+                      <a:r>
+                        <a:rPr lang="zh-CN" altLang="en-US" dirty="0" smtClean="0"/>
+                        <a:t>强转为字符串型</a:t>
+                      </a:r>
+                      <a:endParaRPr lang="zh-CN" altLang="en-US" dirty="0"/>
+                    </a:p>
+                  </a:txBody>
+                  <a:tcPr/>
+                </a:tc>
+                <a:tc>
+                  <a:txBody>
+                    <a:bodyPr/>
+                    <a:lstStyle/>
+                    <a:p>
+                      <a:r>
+                        <a:rPr lang="en-US" altLang="zh-CN" dirty="0" smtClean="0"/>
+                        <a:t>array</a:t>
+                      </a:r>
+                      <a:endParaRPr lang="zh-CN" altLang="en-US" dirty="0"/>
+                    </a:p>
+                  </a:txBody>
+                  <a:tcPr/>
+                </a:tc>
+                <a:tc>
+                  <a:txBody>
+                    <a:bodyPr/>
+                    <a:lstStyle/>
+                    <a:p>
+                      <a:r>
+                        <a:rPr lang="zh-CN" altLang="en-US" dirty="0" smtClean="0"/>
+                        <a:t>强转为数组</a:t>
+                      </a:r>
+                      <a:endParaRPr lang="zh-CN" altLang="en-US" dirty="0"/>
+                    </a:p>
+                  </a:txBody>
+                  <a:tcPr/>
+                </a:tc>
+              </a:tr>
+              <a:tr h="370840">
+                <a:tc>
+                  <a:txBody>
+                    <a:bodyPr/>
+                    <a:lstStyle/>
+                    <a:p>
+                      <a:r>
+                        <a:rPr lang="en-US" altLang="zh-CN" dirty="0" smtClean="0"/>
+                        <a:t>integer</a:t>
+                      </a:r>
+                      <a:endParaRPr lang="zh-CN" altLang="en-US" dirty="0"/>
+                    </a:p>
+                  </a:txBody>
+                  <a:tcPr/>
+                </a:tc>
+                <a:tc>
+                  <a:txBody>
+                    <a:bodyPr/>
+                    <a:lstStyle/>
+                    <a:p>
+                      <a:r>
+                        <a:rPr lang="zh-CN" altLang="en-US" dirty="0" smtClean="0"/>
+                        <a:t>强转为整型</a:t>
+                      </a:r>
+                      <a:endParaRPr lang="zh-CN" altLang="en-US" dirty="0"/>
+                    </a:p>
+                  </a:txBody>
+                  <a:tcPr/>
+                </a:tc>
+                <a:tc>
+                  <a:txBody>
+                    <a:bodyPr/>
+                    <a:lstStyle/>
+                    <a:p>
+                      <a:r>
+                        <a:rPr lang="en-US" altLang="zh-CN" dirty="0" smtClean="0"/>
+                        <a:t>object</a:t>
+                      </a:r>
+                      <a:endParaRPr lang="zh-CN" altLang="en-US" dirty="0"/>
+                    </a:p>
+                  </a:txBody>
+                  <a:tcPr/>
+                </a:tc>
+                <a:tc>
+                  <a:txBody>
+                    <a:bodyPr/>
+                    <a:lstStyle/>
+                    <a:p>
+                      <a:r>
+                        <a:rPr lang="zh-CN" altLang="en-US" dirty="0" smtClean="0"/>
+                        <a:t>强转为对象</a:t>
+                      </a:r>
+                      <a:endParaRPr lang="zh-CN" altLang="en-US" dirty="0"/>
+                    </a:p>
+                  </a:txBody>
+                  <a:tcPr/>
+                </a:tc>
+              </a:tr>
+            </a:tbl>
+          </a:graphicData>
+        </a:graphic>
+      </p:graphicFrame>
+    </p:spTree>
+    <p:extLst>
+      <p:ext uri="{BB962C8B-B14F-4D97-AF65-F5344CB8AC3E}">
+        <p14:creationId xmlns:p14="http://schemas.microsoft.com/office/powerpoint/2010/main" val="3102340950"/>
       </p:ext>
     </p:extLst>
   </p:cSld>
